--- a/0-PRESENTATION_POWERPOINT/presentation_osint.pptx
+++ b/0-PRESENTATION_POWERPOINT/presentation_osint.pptx
@@ -4480,7 +4480,7 @@
           <a:p>
             <a:fld id="{7886AB2E-2EFC-4550-951D-79679443F946}" type="datetimeFigureOut">
               <a:rPr lang="fr-RE" smtClean="0"/>
-              <a:t>02/01/2022</a:t>
+              <a:t>04/01/2022</a:t>
             </a:fld>
             <a:endParaRPr lang="fr-RE"/>
           </a:p>
@@ -6578,7 +6578,7 @@
           <a:p>
             <a:fld id="{9E930371-97C5-4688-BB82-915A48E8D299}" type="datetime1">
               <a:rPr lang="en-US" smtClean="0"/>
-              <a:t>1/2/2022</a:t>
+              <a:t>1/4/2022</a:t>
             </a:fld>
             <a:endParaRPr lang="en-US" dirty="0"/>
           </a:p>
@@ -6777,7 +6777,7 @@
           <a:p>
             <a:fld id="{C13DF8A8-33B6-4A6B-ABDB-0C28B3DCED6C}" type="datetime1">
               <a:rPr lang="en-US" smtClean="0"/>
-              <a:t>1/2/2022</a:t>
+              <a:t>1/4/2022</a:t>
             </a:fld>
             <a:endParaRPr lang="en-US" dirty="0"/>
           </a:p>
@@ -6985,7 +6985,7 @@
           <a:p>
             <a:fld id="{BC93C174-6EBC-45A5-9EB8-153A124605E6}" type="datetime1">
               <a:rPr lang="en-US" smtClean="0"/>
-              <a:t>1/2/2022</a:t>
+              <a:t>1/4/2022</a:t>
             </a:fld>
             <a:endParaRPr lang="en-US" dirty="0"/>
           </a:p>
@@ -7183,7 +7183,7 @@
           <a:p>
             <a:fld id="{EFB28C93-7075-4E76-B45C-B9FF0322A90E}" type="datetime1">
               <a:rPr lang="en-US" smtClean="0"/>
-              <a:t>1/2/2022</a:t>
+              <a:t>1/4/2022</a:t>
             </a:fld>
             <a:endParaRPr lang="en-US" dirty="0"/>
           </a:p>
@@ -7459,7 +7459,7 @@
           <a:p>
             <a:fld id="{47DEBC2F-0F34-41B0-BD15-4030B3C80711}" type="datetime1">
               <a:rPr lang="en-US" smtClean="0"/>
-              <a:t>1/2/2022</a:t>
+              <a:t>1/4/2022</a:t>
             </a:fld>
             <a:endParaRPr lang="en-US" dirty="0"/>
           </a:p>
@@ -7725,7 +7725,7 @@
           <a:p>
             <a:fld id="{8C2C56FC-4377-4EFD-BB99-CB27C7D9BCD5}" type="datetime1">
               <a:rPr lang="en-US" smtClean="0"/>
-              <a:t>1/2/2022</a:t>
+              <a:t>1/4/2022</a:t>
             </a:fld>
             <a:endParaRPr lang="en-US" dirty="0"/>
           </a:p>
@@ -8137,7 +8137,7 @@
           <a:p>
             <a:fld id="{83DFAC24-BE89-40F1-B8A1-6CF560A3CA4C}" type="datetime1">
               <a:rPr lang="en-US" smtClean="0"/>
-              <a:t>1/2/2022</a:t>
+              <a:t>1/4/2022</a:t>
             </a:fld>
             <a:endParaRPr lang="en-US" dirty="0"/>
           </a:p>
@@ -8280,7 +8280,7 @@
           <a:p>
             <a:fld id="{76FCCAEA-B3F0-45A8-A8EC-650E5501C20E}" type="datetime1">
               <a:rPr lang="en-US" smtClean="0"/>
-              <a:t>1/2/2022</a:t>
+              <a:t>1/4/2022</a:t>
             </a:fld>
             <a:endParaRPr lang="en-US" dirty="0"/>
           </a:p>
@@ -8393,7 +8393,7 @@
           <a:p>
             <a:fld id="{4E754737-5192-4A80-9BDD-8A617DF183E3}" type="datetime1">
               <a:rPr lang="en-US" smtClean="0"/>
-              <a:t>1/2/2022</a:t>
+              <a:t>1/4/2022</a:t>
             </a:fld>
             <a:endParaRPr lang="en-US" dirty="0"/>
           </a:p>
@@ -8704,7 +8704,7 @@
           <a:p>
             <a:fld id="{C428BA53-2944-48FA-B706-BEE0070E76BA}" type="datetime1">
               <a:rPr lang="en-US" smtClean="0"/>
-              <a:t>1/2/2022</a:t>
+              <a:t>1/4/2022</a:t>
             </a:fld>
             <a:endParaRPr lang="en-US" dirty="0"/>
           </a:p>
@@ -8992,7 +8992,7 @@
           <a:p>
             <a:fld id="{BDAFE1A4-27BD-4653-85B1-F875F6DFCFFC}" type="datetime1">
               <a:rPr lang="en-US" smtClean="0"/>
-              <a:t>1/2/2022</a:t>
+              <a:t>1/4/2022</a:t>
             </a:fld>
             <a:endParaRPr lang="en-US" dirty="0"/>
           </a:p>
@@ -9233,7 +9233,7 @@
           <a:p>
             <a:fld id="{83DFAC24-BE89-40F1-B8A1-6CF560A3CA4C}" type="datetime1">
               <a:rPr lang="en-US" smtClean="0"/>
-              <a:t>1/2/2022</a:t>
+              <a:t>1/4/2022</a:t>
             </a:fld>
             <a:endParaRPr lang="en-US" dirty="0"/>
           </a:p>
@@ -9888,7 +9888,7 @@
             </a:fld>
             <a:r>
               <a:rPr lang="en-US" sz="1600" b="1" dirty="0"/>
-              <a:t> / 12</a:t>
+              <a:t> / 11</a:t>
             </a:r>
             <a:endParaRPr lang="en-US" sz="1800" b="1" dirty="0"/>
           </a:p>
@@ -10050,7 +10050,7 @@
             </a:fld>
             <a:r>
               <a:rPr lang="en-US" sz="1600" b="1" dirty="0"/>
-              <a:t> / 12</a:t>
+              <a:t> / 11</a:t>
             </a:r>
           </a:p>
         </p:txBody>
@@ -10248,7 +10248,7 @@
             </a:fld>
             <a:r>
               <a:rPr lang="en-US" sz="1600" b="1" dirty="0"/>
-              <a:t> / 12</a:t>
+              <a:t> / 11</a:t>
             </a:r>
           </a:p>
         </p:txBody>
@@ -10405,7 +10405,7 @@
             </a:fld>
             <a:r>
               <a:rPr lang="en-US" sz="1600" b="1" dirty="0"/>
-              <a:t> / 12</a:t>
+              <a:t> / 11</a:t>
             </a:r>
           </a:p>
         </p:txBody>
@@ -10620,7 +10620,7 @@
             </a:fld>
             <a:r>
               <a:rPr lang="en-US" sz="1600" b="1" dirty="0"/>
-              <a:t> / 12</a:t>
+              <a:t> / 11</a:t>
             </a:r>
           </a:p>
         </p:txBody>
@@ -10884,7 +10884,7 @@
             </a:fld>
             <a:r>
               <a:rPr lang="en-US" sz="1600" b="1" dirty="0"/>
-              <a:t> / 12</a:t>
+              <a:t> / 11</a:t>
             </a:r>
           </a:p>
         </p:txBody>
@@ -11175,7 +11175,7 @@
             </a:fld>
             <a:r>
               <a:rPr lang="en-US" sz="1600" b="1" dirty="0"/>
-              <a:t> / 12</a:t>
+              <a:t> / 11</a:t>
             </a:r>
           </a:p>
         </p:txBody>
@@ -11450,7 +11450,7 @@
             </a:fld>
             <a:r>
               <a:rPr lang="en-US" sz="1600" b="1" dirty="0"/>
-              <a:t> / 12</a:t>
+              <a:t> / 11</a:t>
             </a:r>
           </a:p>
         </p:txBody>
@@ -11724,7 +11724,7 @@
             </a:fld>
             <a:r>
               <a:rPr lang="en-US" sz="1600" b="1" dirty="0"/>
-              <a:t> / 12</a:t>
+              <a:t> / 11</a:t>
             </a:r>
           </a:p>
         </p:txBody>
@@ -12016,7 +12016,7 @@
             </a:fld>
             <a:r>
               <a:rPr lang="en-US" sz="1600" b="1" dirty="0"/>
-              <a:t> / 12</a:t>
+              <a:t> / 11</a:t>
             </a:r>
           </a:p>
         </p:txBody>
@@ -12227,7 +12227,7 @@
             </a:fld>
             <a:r>
               <a:rPr lang="en-US" sz="1600" b="1" dirty="0"/>
-              <a:t> / 12</a:t>
+              <a:t> / 11</a:t>
             </a:r>
           </a:p>
         </p:txBody>
